--- a/RAG/Retrieval Augmented Generation.pptx
+++ b/RAG/Retrieval Augmented Generation.pptx
@@ -5,16 +5,20 @@
     <p:sldMasterId id="2147483648" r:id="rId4"/>
   </p:sldMasterIdLst>
   <p:notesMasterIdLst>
-    <p:notesMasterId r:id="rId9"/>
+    <p:notesMasterId r:id="rId13"/>
   </p:notesMasterIdLst>
   <p:handoutMasterIdLst>
-    <p:handoutMasterId r:id="rId10"/>
+    <p:handoutMasterId r:id="rId14"/>
   </p:handoutMasterIdLst>
   <p:sldIdLst>
     <p:sldId id="256" r:id="rId5"/>
     <p:sldId id="277" r:id="rId6"/>
     <p:sldId id="268" r:id="rId7"/>
     <p:sldId id="286" r:id="rId8"/>
+    <p:sldId id="287" r:id="rId9"/>
+    <p:sldId id="288" r:id="rId10"/>
+    <p:sldId id="289" r:id="rId11"/>
+    <p:sldId id="290" r:id="rId12"/>
   </p:sldIdLst>
   <p:sldSz cx="12192000" cy="6858000"/>
   <p:notesSz cx="6858000" cy="9144000"/>
@@ -246,7 +250,7 @@
           <a:p>
             <a:fld id="{058ABBF3-49A8-4B3F-9773-22E67695BB12}" type="datetimeFigureOut">
               <a:rPr lang="en-US" smtClean="0"/>
-              <a:t>1/5/2025</a:t>
+              <a:t>1/12/2025</a:t>
             </a:fld>
             <a:endParaRPr lang="en-US" dirty="0"/>
           </a:p>
@@ -423,7 +427,7 @@
           <a:p>
             <a:fld id="{F44AAC2B-A50D-4386-849A-6B59FB991B4C}" type="datetimeFigureOut">
               <a:rPr lang="en-US" smtClean="0"/>
-              <a:t>1/5/2025</a:t>
+              <a:t>1/12/2025</a:t>
             </a:fld>
             <a:endParaRPr lang="en-US" dirty="0"/>
           </a:p>
@@ -20250,7 +20254,7 @@
         <p:spPr>
           <a:xfrm>
             <a:off x="4938713" y="-97012"/>
-            <a:ext cx="6343650" cy="2668463"/>
+            <a:ext cx="6343650" cy="1805739"/>
           </a:xfrm>
         </p:spPr>
         <p:txBody>
@@ -20285,8 +20289,8 @@
         </p:nvSpPr>
         <p:spPr>
           <a:xfrm>
-            <a:off x="4943476" y="2571451"/>
-            <a:ext cx="6338887" cy="3506076"/>
+            <a:off x="4943476" y="1985819"/>
+            <a:ext cx="6338887" cy="4091708"/>
           </a:xfrm>
         </p:spPr>
         <p:txBody>
@@ -20297,7 +20301,7 @@
           <a:p>
             <a:r>
               <a:rPr lang="en-US" dirty="0"/>
-              <a:t>Structural Diagram</a:t>
+              <a:t>Structural Diagram of a Standard RAG</a:t>
             </a:r>
           </a:p>
           <a:p>
@@ -20309,19 +20313,47 @@
           <a:p>
             <a:r>
               <a:rPr lang="en-US" dirty="0"/>
-              <a:t>	</a:t>
+              <a:t>Different types of RAG</a:t>
             </a:r>
           </a:p>
           <a:p>
+            <a:pPr marL="342900" indent="-342900">
+              <a:buFont typeface="Arial" panose="020B0604020202020204" pitchFamily="34" charset="0"/>
+              <a:buChar char="•"/>
+            </a:pPr>
             <a:r>
               <a:rPr lang="en-US" dirty="0"/>
-              <a:t>	</a:t>
+              <a:t>Corrective RAG</a:t>
             </a:r>
           </a:p>
           <a:p>
+            <a:pPr marL="342900" indent="-342900">
+              <a:buFont typeface="Arial" panose="020B0604020202020204" pitchFamily="34" charset="0"/>
+              <a:buChar char="•"/>
+            </a:pPr>
             <a:r>
               <a:rPr lang="en-US" dirty="0"/>
-              <a:t>	</a:t>
+              <a:t>Fusion RAG</a:t>
+            </a:r>
+          </a:p>
+          <a:p>
+            <a:pPr marL="342900" indent="-342900">
+              <a:buFont typeface="Arial" panose="020B0604020202020204" pitchFamily="34" charset="0"/>
+              <a:buChar char="•"/>
+            </a:pPr>
+            <a:r>
+              <a:rPr lang="en-US" dirty="0"/>
+              <a:t>Speculative RAG</a:t>
+            </a:r>
+          </a:p>
+          <a:p>
+            <a:pPr marL="342900" indent="-342900">
+              <a:buFont typeface="Arial" panose="020B0604020202020204" pitchFamily="34" charset="0"/>
+              <a:buChar char="•"/>
+            </a:pPr>
+            <a:r>
+              <a:rPr lang="en-US" dirty="0"/>
+              <a:t>Agentic RAG</a:t>
             </a:r>
           </a:p>
         </p:txBody>
@@ -20602,7 +20634,7 @@
           </a:bodyPr>
           <a:lstStyle/>
           <a:p>
-            <a:pPr algn="l">
+            <a:pPr algn="just">
               <a:spcBef>
                 <a:spcPts val="1125"/>
               </a:spcBef>
@@ -20634,7 +20666,7 @@
             </a:r>
           </a:p>
           <a:p>
-            <a:pPr algn="l">
+            <a:pPr algn="just">
               <a:spcBef>
                 <a:spcPts val="1125"/>
               </a:spcBef>
@@ -20666,7 +20698,7 @@
             </a:r>
           </a:p>
           <a:p>
-            <a:pPr algn="l">
+            <a:pPr algn="just">
               <a:spcBef>
                 <a:spcPts val="1125"/>
               </a:spcBef>
@@ -20698,7 +20730,7 @@
             </a:r>
           </a:p>
           <a:p>
-            <a:pPr algn="l">
+            <a:pPr algn="just">
               <a:spcBef>
                 <a:spcPts val="1125"/>
               </a:spcBef>
@@ -20730,6 +20762,7 @@
             </a:r>
           </a:p>
           <a:p>
+            <a:pPr algn="just"/>
             <a:endParaRPr lang="en-US" dirty="0"/>
           </a:p>
         </p:txBody>
@@ -20738,6 +20771,657 @@
     <p:extLst>
       <p:ext uri="{BB962C8B-B14F-4D97-AF65-F5344CB8AC3E}">
         <p14:creationId xmlns:p14="http://schemas.microsoft.com/office/powerpoint/2010/main" val="1418789964"/>
+      </p:ext>
+    </p:extLst>
+  </p:cSld>
+  <p:clrMapOvr>
+    <a:masterClrMapping/>
+  </p:clrMapOvr>
+</p:sld>
+</file>
+
+<file path=ppt/slides/slide5.xml><?xml version="1.0" encoding="utf-8"?>
+<p:sld xmlns:a="http://schemas.openxmlformats.org/drawingml/2006/main" xmlns:r="http://schemas.openxmlformats.org/officeDocument/2006/relationships" xmlns:p="http://schemas.openxmlformats.org/presentationml/2006/main">
+  <p:cSld>
+    <p:spTree>
+      <p:nvGrpSpPr>
+        <p:cNvPr id="1" name=""/>
+        <p:cNvGrpSpPr/>
+        <p:nvPr/>
+      </p:nvGrpSpPr>
+      <p:grpSpPr>
+        <a:xfrm>
+          <a:off x="0" y="0"/>
+          <a:ext cx="0" cy="0"/>
+          <a:chOff x="0" y="0"/>
+          <a:chExt cx="0" cy="0"/>
+        </a:xfrm>
+      </p:grpSpPr>
+      <p:sp>
+        <p:nvSpPr>
+          <p:cNvPr id="2" name="Title 1">
+            <a:extLst>
+              <a:ext uri="{FF2B5EF4-FFF2-40B4-BE49-F238E27FC236}">
+                <a16:creationId xmlns:a16="http://schemas.microsoft.com/office/drawing/2014/main" id="{F40A2803-3C2E-427D-67B3-743BE1E172A6}"/>
+              </a:ext>
+            </a:extLst>
+          </p:cNvPr>
+          <p:cNvSpPr>
+            <a:spLocks noGrp="1"/>
+          </p:cNvSpPr>
+          <p:nvPr>
+            <p:ph type="title"/>
+          </p:nvPr>
+        </p:nvSpPr>
+        <p:spPr>
+          <a:xfrm>
+            <a:off x="1256755" y="305561"/>
+            <a:ext cx="9866540" cy="1358140"/>
+          </a:xfrm>
+        </p:spPr>
+        <p:txBody>
+          <a:bodyPr anchor="t">
+            <a:normAutofit/>
+          </a:bodyPr>
+          <a:lstStyle/>
+          <a:p>
+            <a:r>
+              <a:rPr lang="en-US" dirty="0"/>
+              <a:t>Corrective rag</a:t>
+            </a:r>
+          </a:p>
+        </p:txBody>
+      </p:sp>
+      <p:sp>
+        <p:nvSpPr>
+          <p:cNvPr id="12" name="Text Placeholder 3">
+            <a:extLst>
+              <a:ext uri="{FF2B5EF4-FFF2-40B4-BE49-F238E27FC236}">
+                <a16:creationId xmlns:a16="http://schemas.microsoft.com/office/drawing/2014/main" id="{200DEF82-AA12-6BF8-E2AD-8BAC90A74C40}"/>
+              </a:ext>
+            </a:extLst>
+          </p:cNvPr>
+          <p:cNvSpPr>
+            <a:spLocks noGrp="1"/>
+          </p:cNvSpPr>
+          <p:nvPr>
+            <p:ph type="body" sz="quarter" idx="14"/>
+          </p:nvPr>
+        </p:nvSpPr>
+        <p:spPr>
+          <a:xfrm>
+            <a:off x="1552575" y="4544291"/>
+            <a:ext cx="9866540" cy="2008148"/>
+          </a:xfrm>
+        </p:spPr>
+        <p:txBody>
+          <a:bodyPr/>
+          <a:lstStyle/>
+          <a:p>
+            <a:pPr marL="0" indent="0" algn="just">
+              <a:buNone/>
+            </a:pPr>
+            <a:r>
+              <a:rPr lang="en-US" dirty="0"/>
+              <a:t>Corrective RAG builds upon Standard RAG by meticulously refining outputs through error detection and correction, targeting applications where precision is critical, such as legal, medical, or technical domains. It employs multiple review cycles, leveraging user feedback to enhance response accuracy continually, ensuring a personalized and precise user experience. This method contrasts with Speculative RAG, which balances speed and accuracy for rapid response generation.</a:t>
+            </a:r>
+          </a:p>
+        </p:txBody>
+      </p:sp>
+      <p:sp>
+        <p:nvSpPr>
+          <p:cNvPr id="5" name="Slide Number Placeholder 4">
+            <a:extLst>
+              <a:ext uri="{FF2B5EF4-FFF2-40B4-BE49-F238E27FC236}">
+                <a16:creationId xmlns:a16="http://schemas.microsoft.com/office/drawing/2014/main" id="{CC892666-021B-05AE-4D89-4342D13D4CEF}"/>
+              </a:ext>
+            </a:extLst>
+          </p:cNvPr>
+          <p:cNvSpPr>
+            <a:spLocks noGrp="1"/>
+          </p:cNvSpPr>
+          <p:nvPr>
+            <p:ph type="sldNum" sz="quarter" idx="12"/>
+          </p:nvPr>
+        </p:nvSpPr>
+        <p:spPr>
+          <a:xfrm>
+            <a:off x="11123295" y="6356350"/>
+            <a:ext cx="457200" cy="365125"/>
+          </a:xfrm>
+        </p:spPr>
+        <p:txBody>
+          <a:bodyPr anchor="ctr">
+            <a:normAutofit/>
+          </a:bodyPr>
+          <a:lstStyle/>
+          <a:p>
+            <a:pPr>
+              <a:spcAft>
+                <a:spcPts val="600"/>
+              </a:spcAft>
+            </a:pPr>
+            <a:fld id="{B5CEABB6-07DC-46E8-9B57-56EC44A396E5}" type="slidenum">
+              <a:rPr lang="en-US" smtClean="0"/>
+              <a:pPr>
+                <a:spcAft>
+                  <a:spcPts val="600"/>
+                </a:spcAft>
+              </a:pPr>
+              <a:t>5</a:t>
+            </a:fld>
+            <a:endParaRPr lang="en-US"/>
+          </a:p>
+        </p:txBody>
+      </p:sp>
+      <p:pic>
+        <p:nvPicPr>
+          <p:cNvPr id="9" name="Picture 8" descr="A diagram of a problem&#10;&#10;Description automatically generated">
+            <a:extLst>
+              <a:ext uri="{FF2B5EF4-FFF2-40B4-BE49-F238E27FC236}">
+                <a16:creationId xmlns:a16="http://schemas.microsoft.com/office/drawing/2014/main" id="{5DEC4E8F-E9B5-1F24-32D5-59230604B227}"/>
+              </a:ext>
+            </a:extLst>
+          </p:cNvPr>
+          <p:cNvPicPr>
+            <a:picLocks noChangeAspect="1"/>
+          </p:cNvPicPr>
+          <p:nvPr/>
+        </p:nvPicPr>
+        <p:blipFill>
+          <a:blip r:embed="rId2"/>
+          <a:stretch>
+            <a:fillRect/>
+          </a:stretch>
+        </p:blipFill>
+        <p:spPr>
+          <a:xfrm>
+            <a:off x="2965362" y="1129631"/>
+            <a:ext cx="6449325" cy="3245624"/>
+          </a:xfrm>
+          <a:prstGeom prst="rect">
+            <a:avLst/>
+          </a:prstGeom>
+        </p:spPr>
+      </p:pic>
+    </p:spTree>
+    <p:extLst>
+      <p:ext uri="{BB962C8B-B14F-4D97-AF65-F5344CB8AC3E}">
+        <p14:creationId xmlns:p14="http://schemas.microsoft.com/office/powerpoint/2010/main" val="733091124"/>
+      </p:ext>
+    </p:extLst>
+  </p:cSld>
+  <p:clrMapOvr>
+    <a:masterClrMapping/>
+  </p:clrMapOvr>
+</p:sld>
+</file>
+
+<file path=ppt/slides/slide6.xml><?xml version="1.0" encoding="utf-8"?>
+<p:sld xmlns:a="http://schemas.openxmlformats.org/drawingml/2006/main" xmlns:r="http://schemas.openxmlformats.org/officeDocument/2006/relationships" xmlns:p="http://schemas.openxmlformats.org/presentationml/2006/main">
+  <p:cSld>
+    <p:spTree>
+      <p:nvGrpSpPr>
+        <p:cNvPr id="1" name=""/>
+        <p:cNvGrpSpPr/>
+        <p:nvPr/>
+      </p:nvGrpSpPr>
+      <p:grpSpPr>
+        <a:xfrm>
+          <a:off x="0" y="0"/>
+          <a:ext cx="0" cy="0"/>
+          <a:chOff x="0" y="0"/>
+          <a:chExt cx="0" cy="0"/>
+        </a:xfrm>
+      </p:grpSpPr>
+      <p:sp>
+        <p:nvSpPr>
+          <p:cNvPr id="2" name="Title 1">
+            <a:extLst>
+              <a:ext uri="{FF2B5EF4-FFF2-40B4-BE49-F238E27FC236}">
+                <a16:creationId xmlns:a16="http://schemas.microsoft.com/office/drawing/2014/main" id="{05F2CE54-893D-2F46-3A90-CBC78785BCF3}"/>
+              </a:ext>
+            </a:extLst>
+          </p:cNvPr>
+          <p:cNvSpPr>
+            <a:spLocks noGrp="1"/>
+          </p:cNvSpPr>
+          <p:nvPr>
+            <p:ph type="title"/>
+          </p:nvPr>
+        </p:nvSpPr>
+        <p:spPr>
+          <a:xfrm>
+            <a:off x="1395556" y="338539"/>
+            <a:ext cx="9866540" cy="803380"/>
+          </a:xfrm>
+        </p:spPr>
+        <p:txBody>
+          <a:bodyPr/>
+          <a:lstStyle/>
+          <a:p>
+            <a:r>
+              <a:rPr lang="en-US" dirty="0"/>
+              <a:t>Speculative rag</a:t>
+            </a:r>
+          </a:p>
+        </p:txBody>
+      </p:sp>
+      <p:pic>
+        <p:nvPicPr>
+          <p:cNvPr id="7" name="Content Placeholder 6" descr="A diagram of a computer process&#10;&#10;Description automatically generated">
+            <a:extLst>
+              <a:ext uri="{FF2B5EF4-FFF2-40B4-BE49-F238E27FC236}">
+                <a16:creationId xmlns:a16="http://schemas.microsoft.com/office/drawing/2014/main" id="{2D9D66EE-D4A6-E0ED-EF08-6112636642BB}"/>
+              </a:ext>
+            </a:extLst>
+          </p:cNvPr>
+          <p:cNvPicPr>
+            <a:picLocks noGrp="1" noChangeAspect="1"/>
+          </p:cNvPicPr>
+          <p:nvPr>
+            <p:ph sz="half" idx="15"/>
+          </p:nvPr>
+        </p:nvPicPr>
+        <p:blipFill>
+          <a:blip r:embed="rId2"/>
+          <a:stretch>
+            <a:fillRect/>
+          </a:stretch>
+        </p:blipFill>
+        <p:spPr>
+          <a:xfrm>
+            <a:off x="3092720" y="1432279"/>
+            <a:ext cx="6468378" cy="2446994"/>
+          </a:xfrm>
+        </p:spPr>
+      </p:pic>
+      <p:sp>
+        <p:nvSpPr>
+          <p:cNvPr id="4" name="Text Placeholder 3">
+            <a:extLst>
+              <a:ext uri="{FF2B5EF4-FFF2-40B4-BE49-F238E27FC236}">
+                <a16:creationId xmlns:a16="http://schemas.microsoft.com/office/drawing/2014/main" id="{6829EFD8-4963-132C-30F3-F0195DD83E23}"/>
+              </a:ext>
+            </a:extLst>
+          </p:cNvPr>
+          <p:cNvSpPr>
+            <a:spLocks noGrp="1"/>
+          </p:cNvSpPr>
+          <p:nvPr>
+            <p:ph type="body" sz="quarter" idx="14"/>
+          </p:nvPr>
+        </p:nvSpPr>
+        <p:spPr>
+          <a:xfrm>
+            <a:off x="1395557" y="4316820"/>
+            <a:ext cx="10023558" cy="1924320"/>
+          </a:xfrm>
+        </p:spPr>
+        <p:txBody>
+          <a:bodyPr/>
+          <a:lstStyle/>
+          <a:p>
+            <a:pPr marL="0" indent="0" algn="just">
+              <a:buNone/>
+            </a:pPr>
+            <a:r>
+              <a:rPr lang="en-US" dirty="0"/>
+              <a:t>Speculative RAG employs a dual-model system, combining a specialized model for rapid drafting and a generalist model for thorough verification. This setup enhances both speed and accuracy by processing multiple drafts simultaneously. It excels in scenarios demanding quick and precise outputs, such as content generation and real-time decision-making, by distributing complex tasks to specialized models, thereby optimizing response times and accuracy.</a:t>
+            </a:r>
+          </a:p>
+        </p:txBody>
+      </p:sp>
+      <p:sp>
+        <p:nvSpPr>
+          <p:cNvPr id="5" name="Slide Number Placeholder 4">
+            <a:extLst>
+              <a:ext uri="{FF2B5EF4-FFF2-40B4-BE49-F238E27FC236}">
+                <a16:creationId xmlns:a16="http://schemas.microsoft.com/office/drawing/2014/main" id="{A183F6F2-66C8-CF22-A9C4-976A5B99329B}"/>
+              </a:ext>
+            </a:extLst>
+          </p:cNvPr>
+          <p:cNvSpPr>
+            <a:spLocks noGrp="1"/>
+          </p:cNvSpPr>
+          <p:nvPr>
+            <p:ph type="sldNum" sz="quarter" idx="12"/>
+          </p:nvPr>
+        </p:nvSpPr>
+        <p:spPr/>
+        <p:txBody>
+          <a:bodyPr/>
+          <a:lstStyle/>
+          <a:p>
+            <a:fld id="{B5CEABB6-07DC-46E8-9B57-56EC44A396E5}" type="slidenum">
+              <a:rPr lang="en-US" smtClean="0"/>
+              <a:pPr/>
+              <a:t>6</a:t>
+            </a:fld>
+            <a:endParaRPr lang="en-US" dirty="0"/>
+          </a:p>
+        </p:txBody>
+      </p:sp>
+    </p:spTree>
+    <p:extLst>
+      <p:ext uri="{BB962C8B-B14F-4D97-AF65-F5344CB8AC3E}">
+        <p14:creationId xmlns:p14="http://schemas.microsoft.com/office/powerpoint/2010/main" val="2085305690"/>
+      </p:ext>
+    </p:extLst>
+  </p:cSld>
+  <p:clrMapOvr>
+    <a:masterClrMapping/>
+  </p:clrMapOvr>
+</p:sld>
+</file>
+
+<file path=ppt/slides/slide7.xml><?xml version="1.0" encoding="utf-8"?>
+<p:sld xmlns:a="http://schemas.openxmlformats.org/drawingml/2006/main" xmlns:r="http://schemas.openxmlformats.org/officeDocument/2006/relationships" xmlns:p="http://schemas.openxmlformats.org/presentationml/2006/main">
+  <p:cSld>
+    <p:spTree>
+      <p:nvGrpSpPr>
+        <p:cNvPr id="1" name=""/>
+        <p:cNvGrpSpPr/>
+        <p:nvPr/>
+      </p:nvGrpSpPr>
+      <p:grpSpPr>
+        <a:xfrm>
+          <a:off x="0" y="0"/>
+          <a:ext cx="0" cy="0"/>
+          <a:chOff x="0" y="0"/>
+          <a:chExt cx="0" cy="0"/>
+        </a:xfrm>
+      </p:grpSpPr>
+      <p:sp>
+        <p:nvSpPr>
+          <p:cNvPr id="2" name="Title 1">
+            <a:extLst>
+              <a:ext uri="{FF2B5EF4-FFF2-40B4-BE49-F238E27FC236}">
+                <a16:creationId xmlns:a16="http://schemas.microsoft.com/office/drawing/2014/main" id="{F58270BE-2A72-3E56-B88A-37E031E6945C}"/>
+              </a:ext>
+            </a:extLst>
+          </p:cNvPr>
+          <p:cNvSpPr>
+            <a:spLocks noGrp="1"/>
+          </p:cNvSpPr>
+          <p:nvPr>
+            <p:ph type="title"/>
+          </p:nvPr>
+        </p:nvSpPr>
+        <p:spPr>
+          <a:xfrm>
+            <a:off x="1552574" y="489711"/>
+            <a:ext cx="9866540" cy="747962"/>
+          </a:xfrm>
+        </p:spPr>
+        <p:txBody>
+          <a:bodyPr/>
+          <a:lstStyle/>
+          <a:p>
+            <a:r>
+              <a:rPr lang="en-US" dirty="0"/>
+              <a:t>Fusion rag</a:t>
+            </a:r>
+          </a:p>
+        </p:txBody>
+      </p:sp>
+      <p:pic>
+        <p:nvPicPr>
+          <p:cNvPr id="7" name="Content Placeholder 6" descr="A diagram of a company's ranking&#10;&#10;Description automatically generated">
+            <a:extLst>
+              <a:ext uri="{FF2B5EF4-FFF2-40B4-BE49-F238E27FC236}">
+                <a16:creationId xmlns:a16="http://schemas.microsoft.com/office/drawing/2014/main" id="{C4B789A0-93C8-E74D-9E7C-7F9D59C3D39A}"/>
+              </a:ext>
+            </a:extLst>
+          </p:cNvPr>
+          <p:cNvPicPr>
+            <a:picLocks noGrp="1" noChangeAspect="1"/>
+          </p:cNvPicPr>
+          <p:nvPr>
+            <p:ph sz="half" idx="15"/>
+          </p:nvPr>
+        </p:nvPicPr>
+        <p:blipFill>
+          <a:blip r:embed="rId2"/>
+          <a:stretch>
+            <a:fillRect/>
+          </a:stretch>
+        </p:blipFill>
+        <p:spPr>
+          <a:xfrm>
+            <a:off x="2955636" y="1381649"/>
+            <a:ext cx="6419273" cy="2442206"/>
+          </a:xfrm>
+        </p:spPr>
+      </p:pic>
+      <p:sp>
+        <p:nvSpPr>
+          <p:cNvPr id="4" name="Text Placeholder 3">
+            <a:extLst>
+              <a:ext uri="{FF2B5EF4-FFF2-40B4-BE49-F238E27FC236}">
+                <a16:creationId xmlns:a16="http://schemas.microsoft.com/office/drawing/2014/main" id="{AF1116D7-7F78-BAA9-852D-7E95226BF9CD}"/>
+              </a:ext>
+            </a:extLst>
+          </p:cNvPr>
+          <p:cNvSpPr>
+            <a:spLocks noGrp="1"/>
+          </p:cNvSpPr>
+          <p:nvPr>
+            <p:ph type="body" sz="quarter" idx="14"/>
+          </p:nvPr>
+        </p:nvSpPr>
+        <p:spPr>
+          <a:xfrm>
+            <a:off x="1450109" y="4218884"/>
+            <a:ext cx="10261600" cy="2514933"/>
+          </a:xfrm>
+        </p:spPr>
+        <p:txBody>
+          <a:bodyPr/>
+          <a:lstStyle/>
+          <a:p>
+            <a:pPr marL="0" indent="0" algn="just">
+              <a:buNone/>
+            </a:pPr>
+            <a:r>
+              <a:rPr lang="en-US" dirty="0"/>
+              <a:t>Fusion RAG integrates multiple retrieval methods and data sources, enhancing response richness and comprehensiveness. It dynamically adjusts retrieval strategies based on query context, pulling from databases, documents, and real-time feeds. This diversity ensures resilient, well-rounded answers, making Fusion RAG ideal for complex question-answering systems or expansive knowledge bases that require multifaceted insights.</a:t>
+            </a:r>
+          </a:p>
+        </p:txBody>
+      </p:sp>
+      <p:sp>
+        <p:nvSpPr>
+          <p:cNvPr id="5" name="Slide Number Placeholder 4">
+            <a:extLst>
+              <a:ext uri="{FF2B5EF4-FFF2-40B4-BE49-F238E27FC236}">
+                <a16:creationId xmlns:a16="http://schemas.microsoft.com/office/drawing/2014/main" id="{1AE5EB3A-86CB-9A32-5DF9-ACF0733E074C}"/>
+              </a:ext>
+            </a:extLst>
+          </p:cNvPr>
+          <p:cNvSpPr>
+            <a:spLocks noGrp="1"/>
+          </p:cNvSpPr>
+          <p:nvPr>
+            <p:ph type="sldNum" sz="quarter" idx="12"/>
+          </p:nvPr>
+        </p:nvSpPr>
+        <p:spPr/>
+        <p:txBody>
+          <a:bodyPr/>
+          <a:lstStyle/>
+          <a:p>
+            <a:fld id="{B5CEABB6-07DC-46E8-9B57-56EC44A396E5}" type="slidenum">
+              <a:rPr lang="en-US" smtClean="0"/>
+              <a:pPr/>
+              <a:t>7</a:t>
+            </a:fld>
+            <a:endParaRPr lang="en-US" dirty="0"/>
+          </a:p>
+        </p:txBody>
+      </p:sp>
+    </p:spTree>
+    <p:extLst>
+      <p:ext uri="{BB962C8B-B14F-4D97-AF65-F5344CB8AC3E}">
+        <p14:creationId xmlns:p14="http://schemas.microsoft.com/office/powerpoint/2010/main" val="2019336399"/>
+      </p:ext>
+    </p:extLst>
+  </p:cSld>
+  <p:clrMapOvr>
+    <a:masterClrMapping/>
+  </p:clrMapOvr>
+</p:sld>
+</file>
+
+<file path=ppt/slides/slide8.xml><?xml version="1.0" encoding="utf-8"?>
+<p:sld xmlns:a="http://schemas.openxmlformats.org/drawingml/2006/main" xmlns:r="http://schemas.openxmlformats.org/officeDocument/2006/relationships" xmlns:p="http://schemas.openxmlformats.org/presentationml/2006/main">
+  <p:cSld>
+    <p:spTree>
+      <p:nvGrpSpPr>
+        <p:cNvPr id="1" name=""/>
+        <p:cNvGrpSpPr/>
+        <p:nvPr/>
+      </p:nvGrpSpPr>
+      <p:grpSpPr>
+        <a:xfrm>
+          <a:off x="0" y="0"/>
+          <a:ext cx="0" cy="0"/>
+          <a:chOff x="0" y="0"/>
+          <a:chExt cx="0" cy="0"/>
+        </a:xfrm>
+      </p:grpSpPr>
+      <p:sp>
+        <p:nvSpPr>
+          <p:cNvPr id="2" name="Title 1">
+            <a:extLst>
+              <a:ext uri="{FF2B5EF4-FFF2-40B4-BE49-F238E27FC236}">
+                <a16:creationId xmlns:a16="http://schemas.microsoft.com/office/drawing/2014/main" id="{CDEE18A5-B114-31D0-4BEC-9CFCF64170C6}"/>
+              </a:ext>
+            </a:extLst>
+          </p:cNvPr>
+          <p:cNvSpPr>
+            <a:spLocks noGrp="1"/>
+          </p:cNvSpPr>
+          <p:nvPr>
+            <p:ph type="title"/>
+          </p:nvPr>
+        </p:nvSpPr>
+        <p:spPr>
+          <a:xfrm>
+            <a:off x="1552574" y="387125"/>
+            <a:ext cx="9866540" cy="712002"/>
+          </a:xfrm>
+        </p:spPr>
+        <p:txBody>
+          <a:bodyPr/>
+          <a:lstStyle/>
+          <a:p>
+            <a:r>
+              <a:rPr lang="en-US" dirty="0"/>
+              <a:t>Agentic rag</a:t>
+            </a:r>
+          </a:p>
+        </p:txBody>
+      </p:sp>
+      <p:pic>
+        <p:nvPicPr>
+          <p:cNvPr id="7" name="Content Placeholder 6" descr="A diagram of task planner&#10;&#10;Description automatically generated">
+            <a:extLst>
+              <a:ext uri="{FF2B5EF4-FFF2-40B4-BE49-F238E27FC236}">
+                <a16:creationId xmlns:a16="http://schemas.microsoft.com/office/drawing/2014/main" id="{AB82A6D1-FA9F-66C0-AF76-49C7AEB1F78B}"/>
+              </a:ext>
+            </a:extLst>
+          </p:cNvPr>
+          <p:cNvPicPr>
+            <a:picLocks noGrp="1" noChangeAspect="1"/>
+          </p:cNvPicPr>
+          <p:nvPr>
+            <p:ph sz="half" idx="15"/>
+          </p:nvPr>
+        </p:nvPicPr>
+        <p:blipFill>
+          <a:blip r:embed="rId2"/>
+          <a:stretch>
+            <a:fillRect/>
+          </a:stretch>
+        </p:blipFill>
+        <p:spPr>
+          <a:xfrm>
+            <a:off x="2876100" y="1113061"/>
+            <a:ext cx="6439799" cy="2830865"/>
+          </a:xfrm>
+        </p:spPr>
+      </p:pic>
+      <p:sp>
+        <p:nvSpPr>
+          <p:cNvPr id="4" name="Text Placeholder 3">
+            <a:extLst>
+              <a:ext uri="{FF2B5EF4-FFF2-40B4-BE49-F238E27FC236}">
+                <a16:creationId xmlns:a16="http://schemas.microsoft.com/office/drawing/2014/main" id="{E1B72CB4-9935-588D-A685-52CD18EAD565}"/>
+              </a:ext>
+            </a:extLst>
+          </p:cNvPr>
+          <p:cNvSpPr>
+            <a:spLocks noGrp="1"/>
+          </p:cNvSpPr>
+          <p:nvPr>
+            <p:ph type="body" sz="quarter" idx="14"/>
+          </p:nvPr>
+        </p:nvSpPr>
+        <p:spPr>
+          <a:xfrm>
+            <a:off x="1552575" y="4230254"/>
+            <a:ext cx="9866540" cy="2010885"/>
+          </a:xfrm>
+        </p:spPr>
+        <p:txBody>
+          <a:bodyPr/>
+          <a:lstStyle/>
+          <a:p>
+            <a:pPr marL="0" indent="0" algn="just">
+              <a:buNone/>
+            </a:pPr>
+            <a:r>
+              <a:rPr lang="en-US" dirty="0"/>
+              <a:t>Agentic RAG features adaptive agents that adjust retrieval strategies in real-time, enhancing response relevance and accuracy. Its modular design allows easy integration of new data sources and features, supporting continuous improvement and scalability. Ideal for applications requiring complex problem-solving and adaptability, such as intelligent virtual assistants and dynamic recommendation systems, Agentic RAG thrives in environments demanding rapid adaptation and sophisticated, evolving responses.</a:t>
+            </a:r>
+          </a:p>
+        </p:txBody>
+      </p:sp>
+      <p:sp>
+        <p:nvSpPr>
+          <p:cNvPr id="5" name="Slide Number Placeholder 4">
+            <a:extLst>
+              <a:ext uri="{FF2B5EF4-FFF2-40B4-BE49-F238E27FC236}">
+                <a16:creationId xmlns:a16="http://schemas.microsoft.com/office/drawing/2014/main" id="{68A25CF8-BAD1-5CDF-5491-2D05F525F041}"/>
+              </a:ext>
+            </a:extLst>
+          </p:cNvPr>
+          <p:cNvSpPr>
+            <a:spLocks noGrp="1"/>
+          </p:cNvSpPr>
+          <p:nvPr>
+            <p:ph type="sldNum" sz="quarter" idx="12"/>
+          </p:nvPr>
+        </p:nvSpPr>
+        <p:spPr/>
+        <p:txBody>
+          <a:bodyPr/>
+          <a:lstStyle/>
+          <a:p>
+            <a:fld id="{B5CEABB6-07DC-46E8-9B57-56EC44A396E5}" type="slidenum">
+              <a:rPr lang="en-US" smtClean="0"/>
+              <a:pPr/>
+              <a:t>8</a:t>
+            </a:fld>
+            <a:endParaRPr lang="en-US" dirty="0"/>
+          </a:p>
+        </p:txBody>
+      </p:sp>
+    </p:spTree>
+    <p:extLst>
+      <p:ext uri="{BB962C8B-B14F-4D97-AF65-F5344CB8AC3E}">
+        <p14:creationId xmlns:p14="http://schemas.microsoft.com/office/powerpoint/2010/main" val="128669980"/>
       </p:ext>
     </p:extLst>
   </p:cSld>
@@ -21559,15 +22243,6 @@
 </file>
 
 <file path=customXml/item2.xml><?xml version="1.0" encoding="utf-8"?>
-<?mso-contentType ?>
-<FormTemplates xmlns="http://schemas.microsoft.com/sharepoint/v3/contenttype/forms">
-  <Display>DocumentLibraryForm</Display>
-  <Edit>DocumentLibraryForm</Edit>
-  <New>DocumentLibraryForm</New>
-</FormTemplates>
-</file>
-
-<file path=customXml/item3.xml><?xml version="1.0" encoding="utf-8"?>
 <ct:contentTypeSchema xmlns:ct="http://schemas.microsoft.com/office/2006/metadata/contentType" xmlns:ma="http://schemas.microsoft.com/office/2006/metadata/properties/metaAttributes" ct:_="" ma:_="" ma:contentTypeName="Document" ma:contentTypeID="0x01010079F111ED35F8CC479449609E8A0923A6" ma:contentTypeVersion="28" ma:contentTypeDescription="Create a new document." ma:contentTypeScope="" ma:versionID="60f5a4f2d2b0abadcf532d48ebf9cb71">
   <xsd:schema xmlns:xsd="http://www.w3.org/2001/XMLSchema" xmlns:xs="http://www.w3.org/2001/XMLSchema" xmlns:p="http://schemas.microsoft.com/office/2006/metadata/properties" xmlns:ns1="http://schemas.microsoft.com/sharepoint/v3" xmlns:ns2="71af3243-3dd4-4a8d-8c0d-dd76da1f02a5" xmlns:ns3="16c05727-aa75-4e4a-9b5f-8a80a1165891" xmlns:ns4="230e9df3-be65-4c73-a93b-d1236ebd677e" targetNamespace="http://schemas.microsoft.com/office/2006/metadata/properties" ma:root="true" ma:fieldsID="7dd78129e6a1811f84807ad11c651531" ns1:_="" ns2:_="" ns3:_="" ns4:_="">
     <xsd:import namespace="http://schemas.microsoft.com/sharepoint/v3"/>
@@ -21879,6 +22554,15 @@
 </ct:contentTypeSchema>
 </file>
 
+<file path=customXml/item3.xml><?xml version="1.0" encoding="utf-8"?>
+<?mso-contentType ?>
+<FormTemplates xmlns="http://schemas.microsoft.com/sharepoint/v3/contenttype/forms">
+  <Display>DocumentLibraryForm</Display>
+  <Edit>DocumentLibraryForm</Edit>
+  <New>DocumentLibraryForm</New>
+</FormTemplates>
+</file>
+
 <file path=customXml/itemProps1.xml><?xml version="1.0" encoding="utf-8"?>
 <ds:datastoreItem xmlns:ds="http://schemas.openxmlformats.org/officeDocument/2006/customXml" ds:itemID="{0F65614A-92F9-4391-AC3D-F3F5B0704F99}">
   <ds:schemaRefs>
@@ -21892,14 +22576,6 @@
 </file>
 
 <file path=customXml/itemProps2.xml><?xml version="1.0" encoding="utf-8"?>
-<ds:datastoreItem xmlns:ds="http://schemas.openxmlformats.org/officeDocument/2006/customXml" ds:itemID="{8451406B-581B-4C29-A833-E33D8A6AB075}">
-  <ds:schemaRefs>
-    <ds:schemaRef ds:uri="http://schemas.microsoft.com/sharepoint/v3/contenttype/forms"/>
-  </ds:schemaRefs>
-</ds:datastoreItem>
-</file>
-
-<file path=customXml/itemProps3.xml><?xml version="1.0" encoding="utf-8"?>
 <ds:datastoreItem xmlns:ds="http://schemas.openxmlformats.org/officeDocument/2006/customXml" ds:itemID="{18903D25-5BE2-4D9E-B7D8-BE1DCAE2DC41}">
   <ds:schemaRefs>
     <ds:schemaRef ds:uri="http://schemas.microsoft.com/office/2006/metadata/contentType"/>
@@ -21920,6 +22596,14 @@
 </ds:datastoreItem>
 </file>
 
+<file path=customXml/itemProps3.xml><?xml version="1.0" encoding="utf-8"?>
+<ds:datastoreItem xmlns:ds="http://schemas.openxmlformats.org/officeDocument/2006/customXml" ds:itemID="{8451406B-581B-4C29-A833-E33D8A6AB075}">
+  <ds:schemaRefs>
+    <ds:schemaRef ds:uri="http://schemas.microsoft.com/sharepoint/v3/contenttype/forms"/>
+  </ds:schemaRefs>
+</ds:datastoreItem>
+</file>
+
 <file path=docMetadata/LabelInfo.xml><?xml version="1.0" encoding="utf-8"?>
 <clbl:labelList xmlns:clbl="http://schemas.microsoft.com/office/2020/mipLabelMetadata"/>
 </file>